--- a/extras/presentations/pnnl_nasa_lcluc_task_4.pptx
+++ b/extras/presentations/pnnl_nasa_lcluc_task_4.pptx
@@ -5,17 +5,18 @@
     <p:sldMasterId id="2147483723" r:id="rId4"/>
   </p:sldMasterIdLst>
   <p:notesMasterIdLst>
-    <p:notesMasterId r:id="rId10"/>
+    <p:notesMasterId r:id="rId11"/>
   </p:notesMasterIdLst>
   <p:handoutMasterIdLst>
-    <p:handoutMasterId r:id="rId11"/>
+    <p:handoutMasterId r:id="rId12"/>
   </p:handoutMasterIdLst>
   <p:sldIdLst>
     <p:sldId id="260" r:id="rId5"/>
     <p:sldId id="269" r:id="rId6"/>
-    <p:sldId id="270" r:id="rId7"/>
-    <p:sldId id="271" r:id="rId8"/>
-    <p:sldId id="268" r:id="rId9"/>
+    <p:sldId id="272" r:id="rId7"/>
+    <p:sldId id="270" r:id="rId8"/>
+    <p:sldId id="271" r:id="rId9"/>
+    <p:sldId id="268" r:id="rId10"/>
   </p:sldIdLst>
   <p:sldSz cx="14630400" cy="8229600"/>
   <p:notesSz cx="6858000" cy="9144000"/>
@@ -233,7 +234,7 @@
           <a:p>
             <a:fld id="{C06E50B8-2EF8-564F-AE86-D84E6C503530}" type="datetimeFigureOut">
               <a:rPr lang="en-US" smtClean="0"/>
-              <a:t>6/23/2023</a:t>
+              <a:t>7/13/2023</a:t>
             </a:fld>
             <a:endParaRPr lang="en-US"/>
           </a:p>
@@ -410,7 +411,7 @@
           <a:p>
             <a:fld id="{13AC8D20-1945-7145-91A2-3D134BDA25E2}" type="datetimeFigureOut">
               <a:rPr lang="en-US" smtClean="0"/>
-              <a:t>6/23/2023</a:t>
+              <a:t>7/13/2023</a:t>
             </a:fld>
             <a:endParaRPr lang="en-US"/>
           </a:p>
@@ -1219,7 +1220,7 @@
           <a:p>
             <a:fld id="{ABD4F8E3-4ED9-44B4-99E6-8A3D2CF8D415}" type="datetime4">
               <a:rPr lang="en-US" smtClean="0"/>
-              <a:t>June 23, 2023</a:t>
+              <a:t>July 13, 2023</a:t>
             </a:fld>
             <a:endParaRPr lang="en-US"/>
           </a:p>
@@ -1899,7 +1900,7 @@
             <a:fld id="{9B7EE7B1-A6C1-4E39-8665-A73ED03F32E1}" type="datetimeFigureOut">
               <a:rPr lang="en-US" smtClean="0"/>
               <a:pPr/>
-              <a:t>6/23/2023</a:t>
+              <a:t>7/13/2023</a:t>
             </a:fld>
             <a:endParaRPr lang="en-US"/>
           </a:p>
@@ -2322,7 +2323,7 @@
             <a:fld id="{9B7EE7B1-A6C1-4E39-8665-A73ED03F32E1}" type="datetimeFigureOut">
               <a:rPr lang="en-US" smtClean="0"/>
               <a:pPr/>
-              <a:t>6/23/2023</a:t>
+              <a:t>7/13/2023</a:t>
             </a:fld>
             <a:endParaRPr lang="en-US"/>
           </a:p>
@@ -2746,7 +2747,7 @@
             <a:fld id="{9B7EE7B1-A6C1-4E39-8665-A73ED03F32E1}" type="datetimeFigureOut">
               <a:rPr lang="en-US" smtClean="0"/>
               <a:pPr/>
-              <a:t>6/23/2023</a:t>
+              <a:t>7/13/2023</a:t>
             </a:fld>
             <a:endParaRPr lang="en-US"/>
           </a:p>
@@ -3123,7 +3124,7 @@
             <a:fld id="{9B7EE7B1-A6C1-4E39-8665-A73ED03F32E1}" type="datetimeFigureOut">
               <a:rPr lang="en-US" smtClean="0"/>
               <a:pPr/>
-              <a:t>6/23/2023</a:t>
+              <a:t>7/13/2023</a:t>
             </a:fld>
             <a:endParaRPr lang="en-US"/>
           </a:p>
@@ -4047,7 +4048,7 @@
             <a:fld id="{9B7EE7B1-A6C1-4E39-8665-A73ED03F32E1}" type="datetimeFigureOut">
               <a:rPr lang="en-US" smtClean="0"/>
               <a:pPr/>
-              <a:t>6/23/2023</a:t>
+              <a:t>7/13/2023</a:t>
             </a:fld>
             <a:endParaRPr lang="en-US"/>
           </a:p>
@@ -5162,7 +5163,7 @@
             <a:fld id="{9B7EE7B1-A6C1-4E39-8665-A73ED03F32E1}" type="datetimeFigureOut">
               <a:rPr lang="en-US" smtClean="0"/>
               <a:pPr/>
-              <a:t>6/23/2023</a:t>
+              <a:t>7/13/2023</a:t>
             </a:fld>
             <a:endParaRPr lang="en-US"/>
           </a:p>
@@ -6304,7 +6305,7 @@
             <a:fld id="{9B7EE7B1-A6C1-4E39-8665-A73ED03F32E1}" type="datetimeFigureOut">
               <a:rPr lang="en-US" smtClean="0"/>
               <a:pPr/>
-              <a:t>6/23/2023</a:t>
+              <a:t>7/13/2023</a:t>
             </a:fld>
             <a:endParaRPr lang="en-US"/>
           </a:p>
@@ -6579,7 +6580,7 @@
             <a:fld id="{9B7EE7B1-A6C1-4E39-8665-A73ED03F32E1}" type="datetimeFigureOut">
               <a:rPr lang="en-US" smtClean="0"/>
               <a:pPr/>
-              <a:t>6/23/2023</a:t>
+              <a:t>7/13/2023</a:t>
             </a:fld>
             <a:endParaRPr lang="en-US"/>
           </a:p>
@@ -7159,7 +7160,12 @@
             <p:ph type="ctrTitle"/>
           </p:nvPr>
         </p:nvSpPr>
-        <p:spPr/>
+        <p:spPr>
+          <a:xfrm>
+            <a:off x="1370529" y="3389976"/>
+            <a:ext cx="4572000" cy="1828800"/>
+          </a:xfrm>
+        </p:spPr>
         <p:txBody>
           <a:bodyPr/>
           <a:lstStyle/>
@@ -7169,7 +7175,20 @@
                 <a:latin typeface="Arial"/>
                 <a:cs typeface="Arial"/>
               </a:rPr>
-              <a:t>Assessing UHI impacts in Western North Africa – Task 4</a:t>
+              <a:t>Assessing UHI impacts in Western North Africa</a:t>
+            </a:r>
+            <a:br>
+              <a:rPr lang="en-US" sz="4000" dirty="0">
+                <a:latin typeface="Arial"/>
+                <a:cs typeface="Arial"/>
+              </a:rPr>
+            </a:br>
+            <a:r>
+              <a:rPr lang="en-US" sz="4000" dirty="0">
+                <a:latin typeface="Arial"/>
+                <a:cs typeface="Arial"/>
+              </a:rPr>
+              <a:t>Task 4 – Building Energy Demand</a:t>
             </a:r>
           </a:p>
         </p:txBody>
@@ -7192,7 +7211,7 @@
         </p:nvSpPr>
         <p:spPr>
           <a:xfrm>
-            <a:off x="1370529" y="5475642"/>
+            <a:off x="1370529" y="6194099"/>
             <a:ext cx="4572000" cy="274320"/>
           </a:xfrm>
         </p:spPr>
@@ -7230,7 +7249,7 @@
         </p:nvSpPr>
         <p:spPr>
           <a:xfrm>
-            <a:off x="1370529" y="5871809"/>
+            <a:off x="1370529" y="6590266"/>
             <a:ext cx="4572000" cy="274320"/>
           </a:xfrm>
         </p:spPr>
@@ -7261,7 +7280,12 @@
             <p:ph type="dt" sz="half" idx="2"/>
           </p:nvPr>
         </p:nvSpPr>
-        <p:spPr/>
+        <p:spPr>
+          <a:xfrm>
+            <a:off x="2651641" y="5634102"/>
+            <a:ext cx="3290888" cy="438150"/>
+          </a:xfrm>
+        </p:spPr>
         <p:txBody>
           <a:bodyPr/>
           <a:lstStyle/>
@@ -7523,7 +7547,7 @@
           <p:cNvPr id="2" name="Slide Number Placeholder 1">
             <a:extLst>
               <a:ext uri="{FF2B5EF4-FFF2-40B4-BE49-F238E27FC236}">
-                <a16:creationId xmlns:a16="http://schemas.microsoft.com/office/drawing/2014/main" id="{315DA470-EE99-7B9D-14CB-47D23144A70F}"/>
+                <a16:creationId xmlns:a16="http://schemas.microsoft.com/office/drawing/2014/main" id="{B50126A9-D392-F3EC-D55D-9D428B712A20}"/>
               </a:ext>
             </a:extLst>
           </p:cNvPr>
@@ -7553,7 +7577,7 @@
           <p:cNvPr id="3" name="Title 2">
             <a:extLst>
               <a:ext uri="{FF2B5EF4-FFF2-40B4-BE49-F238E27FC236}">
-                <a16:creationId xmlns:a16="http://schemas.microsoft.com/office/drawing/2014/main" id="{03579298-52D9-06D9-B202-A007B27E78E1}"/>
+                <a16:creationId xmlns:a16="http://schemas.microsoft.com/office/drawing/2014/main" id="{E51EE51F-9A68-2340-C9F4-F1B96221239A}"/>
               </a:ext>
             </a:extLst>
           </p:cNvPr>
@@ -7571,164 +7595,61 @@
           <a:p>
             <a:r>
               <a:rPr lang="en-US" dirty="0"/>
-              <a:t>Build Energy Model (BED)</a:t>
+              <a:t>Thoughts</a:t>
             </a:r>
           </a:p>
         </p:txBody>
       </p:sp>
       <p:sp>
         <p:nvSpPr>
-          <p:cNvPr id="5" name="Content Placeholder 4">
+          <p:cNvPr id="4" name="Content Placeholder 3">
             <a:extLst>
               <a:ext uri="{FF2B5EF4-FFF2-40B4-BE49-F238E27FC236}">
-                <a16:creationId xmlns:a16="http://schemas.microsoft.com/office/drawing/2014/main" id="{D39ECA88-B557-5C01-FE92-E6708327A3B3}"/>
+                <a16:creationId xmlns:a16="http://schemas.microsoft.com/office/drawing/2014/main" id="{8B9553E7-DD7D-4013-CCD9-0BE7F0F3D74E}"/>
               </a:ext>
             </a:extLst>
           </p:cNvPr>
-          <p:cNvSpPr txBox="1">
+          <p:cNvSpPr>
             <a:spLocks noGrp="1"/>
           </p:cNvSpPr>
           <p:nvPr>
             <p:ph sz="quarter" idx="20"/>
           </p:nvPr>
         </p:nvSpPr>
-        <p:spPr>
-          <a:xfrm>
-            <a:off x="1371600" y="2077898"/>
-            <a:ext cx="4535424" cy="4475071"/>
-          </a:xfrm>
-          <a:prstGeom prst="rect">
-            <a:avLst/>
-          </a:prstGeom>
-          <a:noFill/>
-        </p:spPr>
-        <p:txBody>
-          <a:bodyPr wrap="square" rtlCol="0">
-            <a:spAutoFit/>
-          </a:bodyPr>
+        <p:spPr/>
+        <p:txBody>
+          <a:bodyPr/>
           <a:lstStyle/>
           <a:p>
-            <a:pPr marL="285750" indent="-285750">
-              <a:spcAft>
-                <a:spcPts val="1200"/>
-              </a:spcAft>
-              <a:buFont typeface="Arial" panose="020B0604020202020204" pitchFamily="34" charset="0"/>
-              <a:buChar char="•"/>
-            </a:pPr>
-            <a:r>
-              <a:rPr lang="en-US" sz="1600" dirty="0"/>
-              <a:t>Building Energy Demand (BED) model is a Python package to process high-resolution data (e.g., near-surface temperature from WRF at 1-km resolution) and estimate spatial distribution of building energy demand.</a:t>
-            </a:r>
-          </a:p>
-          <a:p>
-            <a:pPr marL="285750" indent="-285750">
-              <a:spcAft>
-                <a:spcPts val="1200"/>
-              </a:spcAft>
-              <a:buFont typeface="Arial" panose="020B0604020202020204" pitchFamily="34" charset="0"/>
-              <a:buChar char="•"/>
-            </a:pPr>
-            <a:r>
-              <a:rPr lang="en-US" sz="1600" dirty="0"/>
-              <a:t>The outputs from the BED model can be used together with outputs from a modified version of the Global Change Analysis Model - GCAM-Morocco to explore emissions, water demand, and electricity generation by different fuel types in Morocco.</a:t>
-            </a:r>
-          </a:p>
-          <a:p>
-            <a:pPr marL="285750" indent="-285750">
-              <a:spcAft>
-                <a:spcPts val="1200"/>
-              </a:spcAft>
-              <a:buFont typeface="Arial" panose="020B0604020202020204" pitchFamily="34" charset="0"/>
-              <a:buChar char="•"/>
-            </a:pPr>
-            <a:r>
-              <a:rPr lang="en-US" sz="1600" dirty="0"/>
-              <a:t>More broadly, the BED model is developed for researchers to explore the shifts of building energy demand at fine resolutions in response to environmental and socio-economic changes.</a:t>
-            </a:r>
-          </a:p>
-        </p:txBody>
-      </p:sp>
-      <p:pic>
-        <p:nvPicPr>
-          <p:cNvPr id="6" name="Picture 5">
-            <a:extLst>
-              <a:ext uri="{FF2B5EF4-FFF2-40B4-BE49-F238E27FC236}">
-                <a16:creationId xmlns:a16="http://schemas.microsoft.com/office/drawing/2014/main" id="{278B64D8-8767-3CF0-6B33-1FF3EC56A1B6}"/>
-              </a:ext>
-            </a:extLst>
-          </p:cNvPr>
-          <p:cNvPicPr>
-            <a:picLocks noChangeAspect="1"/>
-          </p:cNvPicPr>
-          <p:nvPr/>
-        </p:nvPicPr>
-        <p:blipFill>
-          <a:blip r:embed="rId2">
-            <a:extLst>
-              <a:ext uri="{28A0092B-C50C-407E-A947-70E740481C1C}">
-                <a14:useLocalDpi xmlns:a14="http://schemas.microsoft.com/office/drawing/2010/main" val="0"/>
-              </a:ext>
-            </a:extLst>
-          </a:blip>
-          <a:stretch>
-            <a:fillRect/>
-          </a:stretch>
-        </p:blipFill>
-        <p:spPr>
-          <a:xfrm>
-            <a:off x="6456422" y="1736291"/>
-            <a:ext cx="7844794" cy="5158286"/>
-          </a:xfrm>
-          <a:prstGeom prst="rect">
-            <a:avLst/>
-          </a:prstGeom>
-        </p:spPr>
-      </p:pic>
-      <p:sp>
-        <p:nvSpPr>
-          <p:cNvPr id="7" name="TextBox 6">
-            <a:extLst>
-              <a:ext uri="{FF2B5EF4-FFF2-40B4-BE49-F238E27FC236}">
-                <a16:creationId xmlns:a16="http://schemas.microsoft.com/office/drawing/2014/main" id="{859EEC50-56BE-22B3-2852-FA9823C350D5}"/>
-              </a:ext>
-            </a:extLst>
-          </p:cNvPr>
-          <p:cNvSpPr txBox="1"/>
-          <p:nvPr/>
-        </p:nvSpPr>
-        <p:spPr>
-          <a:xfrm>
-            <a:off x="9326880" y="694210"/>
-            <a:ext cx="4667416" cy="424732"/>
-          </a:xfrm>
-          <a:prstGeom prst="rect">
-            <a:avLst/>
-          </a:prstGeom>
-          <a:noFill/>
-        </p:spPr>
-        <p:txBody>
-          <a:bodyPr wrap="square">
-            <a:spAutoFit/>
-          </a:bodyPr>
-          <a:lstStyle/>
-          <a:p>
-            <a:r>
-              <a:rPr lang="en-US" dirty="0">
-                <a:hlinkClick r:id="rId3"/>
-              </a:rPr>
-              <a:t>https://github.com/JGCRI/bed</a:t>
-            </a:r>
             <a:r>
               <a:rPr lang="en-US" dirty="0"/>
-              <a:t> </a:t>
+              <a:t>Global temperature pathways</a:t>
             </a:r>
+          </a:p>
+          <a:p>
+            <a:r>
+              <a:rPr lang="en-US" dirty="0"/>
+              <a:t>UHI impact + x degrees </a:t>
+            </a:r>
+          </a:p>
+          <a:p>
+            <a:endParaRPr lang="en-US" dirty="0"/>
+          </a:p>
+          <a:p>
+            <a:r>
+              <a:rPr lang="en-US" dirty="0"/>
+              <a:t>Task 4: Uses these temp info to calculate Building Energy Demands/Elec impacts/Emissions</a:t>
+            </a:r>
+          </a:p>
+          <a:p>
+            <a:endParaRPr lang="en-US" dirty="0"/>
           </a:p>
         </p:txBody>
       </p:sp>
     </p:spTree>
     <p:extLst>
       <p:ext uri="{BB962C8B-B14F-4D97-AF65-F5344CB8AC3E}">
-        <p14:creationId xmlns:p14="http://schemas.microsoft.com/office/powerpoint/2010/main" val="1738068605"/>
+        <p14:creationId xmlns:p14="http://schemas.microsoft.com/office/powerpoint/2010/main" val="407201811"/>
       </p:ext>
     </p:extLst>
   </p:cSld>
@@ -7772,6 +7693,255 @@
           <p:cNvPr id="2" name="Slide Number Placeholder 1">
             <a:extLst>
               <a:ext uri="{FF2B5EF4-FFF2-40B4-BE49-F238E27FC236}">
+                <a16:creationId xmlns:a16="http://schemas.microsoft.com/office/drawing/2014/main" id="{315DA470-EE99-7B9D-14CB-47D23144A70F}"/>
+              </a:ext>
+            </a:extLst>
+          </p:cNvPr>
+          <p:cNvSpPr>
+            <a:spLocks noGrp="1"/>
+          </p:cNvSpPr>
+          <p:nvPr>
+            <p:ph type="sldNum" sz="quarter" idx="12"/>
+          </p:nvPr>
+        </p:nvSpPr>
+        <p:spPr/>
+        <p:txBody>
+          <a:bodyPr/>
+          <a:lstStyle/>
+          <a:p>
+            <a:fld id="{FE7A4BB3-E848-5A44-82DF-322201952CD8}" type="slidenum">
+              <a:rPr lang="en-US" smtClean="0"/>
+              <a:pPr/>
+              <a:t>4</a:t>
+            </a:fld>
+            <a:endParaRPr lang="en-US"/>
+          </a:p>
+        </p:txBody>
+      </p:sp>
+      <p:sp>
+        <p:nvSpPr>
+          <p:cNvPr id="3" name="Title 2">
+            <a:extLst>
+              <a:ext uri="{FF2B5EF4-FFF2-40B4-BE49-F238E27FC236}">
+                <a16:creationId xmlns:a16="http://schemas.microsoft.com/office/drawing/2014/main" id="{03579298-52D9-06D9-B202-A007B27E78E1}"/>
+              </a:ext>
+            </a:extLst>
+          </p:cNvPr>
+          <p:cNvSpPr>
+            <a:spLocks noGrp="1"/>
+          </p:cNvSpPr>
+          <p:nvPr>
+            <p:ph type="title"/>
+          </p:nvPr>
+        </p:nvSpPr>
+        <p:spPr/>
+        <p:txBody>
+          <a:bodyPr/>
+          <a:lstStyle/>
+          <a:p>
+            <a:r>
+              <a:rPr lang="en-US" dirty="0"/>
+              <a:t>Build Energy Model (BED)</a:t>
+            </a:r>
+          </a:p>
+        </p:txBody>
+      </p:sp>
+      <p:sp>
+        <p:nvSpPr>
+          <p:cNvPr id="5" name="Content Placeholder 4">
+            <a:extLst>
+              <a:ext uri="{FF2B5EF4-FFF2-40B4-BE49-F238E27FC236}">
+                <a16:creationId xmlns:a16="http://schemas.microsoft.com/office/drawing/2014/main" id="{D39ECA88-B557-5C01-FE92-E6708327A3B3}"/>
+              </a:ext>
+            </a:extLst>
+          </p:cNvPr>
+          <p:cNvSpPr txBox="1">
+            <a:spLocks noGrp="1"/>
+          </p:cNvSpPr>
+          <p:nvPr>
+            <p:ph sz="quarter" idx="20"/>
+          </p:nvPr>
+        </p:nvSpPr>
+        <p:spPr>
+          <a:xfrm>
+            <a:off x="1371600" y="2077898"/>
+            <a:ext cx="4535424" cy="4475071"/>
+          </a:xfrm>
+          <a:prstGeom prst="rect">
+            <a:avLst/>
+          </a:prstGeom>
+          <a:noFill/>
+        </p:spPr>
+        <p:txBody>
+          <a:bodyPr wrap="square" rtlCol="0">
+            <a:spAutoFit/>
+          </a:bodyPr>
+          <a:lstStyle/>
+          <a:p>
+            <a:pPr marL="285750" indent="-285750">
+              <a:spcAft>
+                <a:spcPts val="1200"/>
+              </a:spcAft>
+              <a:buFont typeface="Arial" panose="020B0604020202020204" pitchFamily="34" charset="0"/>
+              <a:buChar char="•"/>
+            </a:pPr>
+            <a:r>
+              <a:rPr lang="en-US" sz="1600" dirty="0"/>
+              <a:t>Building Energy Demand (BED) model is a Python package to process high-resolution data (e.g., near-surface temperature from WRF at 1-km resolution) and estimate spatial distribution of building energy demand.</a:t>
+            </a:r>
+          </a:p>
+          <a:p>
+            <a:pPr marL="285750" indent="-285750">
+              <a:spcAft>
+                <a:spcPts val="1200"/>
+              </a:spcAft>
+              <a:buFont typeface="Arial" panose="020B0604020202020204" pitchFamily="34" charset="0"/>
+              <a:buChar char="•"/>
+            </a:pPr>
+            <a:r>
+              <a:rPr lang="en-US" sz="1600" dirty="0"/>
+              <a:t>The outputs from the BED model can be used together with outputs from a modified version of the Global Change Analysis Model - GCAM-Morocco to explore emissions, water demand, and electricity generation by different fuel types in Morocco.</a:t>
+            </a:r>
+          </a:p>
+          <a:p>
+            <a:pPr marL="285750" indent="-285750">
+              <a:spcAft>
+                <a:spcPts val="1200"/>
+              </a:spcAft>
+              <a:buFont typeface="Arial" panose="020B0604020202020204" pitchFamily="34" charset="0"/>
+              <a:buChar char="•"/>
+            </a:pPr>
+            <a:r>
+              <a:rPr lang="en-US" sz="1600" dirty="0"/>
+              <a:t>More broadly, the BED model is developed for researchers to explore the shifts of building energy demand at fine resolutions in response to environmental and socio-economic changes.</a:t>
+            </a:r>
+          </a:p>
+        </p:txBody>
+      </p:sp>
+      <p:pic>
+        <p:nvPicPr>
+          <p:cNvPr id="6" name="Picture 5">
+            <a:extLst>
+              <a:ext uri="{FF2B5EF4-FFF2-40B4-BE49-F238E27FC236}">
+                <a16:creationId xmlns:a16="http://schemas.microsoft.com/office/drawing/2014/main" id="{278B64D8-8767-3CF0-6B33-1FF3EC56A1B6}"/>
+              </a:ext>
+            </a:extLst>
+          </p:cNvPr>
+          <p:cNvPicPr>
+            <a:picLocks noChangeAspect="1"/>
+          </p:cNvPicPr>
+          <p:nvPr/>
+        </p:nvPicPr>
+        <p:blipFill>
+          <a:blip r:embed="rId2">
+            <a:extLst>
+              <a:ext uri="{28A0092B-C50C-407E-A947-70E740481C1C}">
+                <a14:useLocalDpi xmlns:a14="http://schemas.microsoft.com/office/drawing/2010/main" val="0"/>
+              </a:ext>
+            </a:extLst>
+          </a:blip>
+          <a:stretch>
+            <a:fillRect/>
+          </a:stretch>
+        </p:blipFill>
+        <p:spPr>
+          <a:xfrm>
+            <a:off x="6456422" y="1736291"/>
+            <a:ext cx="7844794" cy="5158286"/>
+          </a:xfrm>
+          <a:prstGeom prst="rect">
+            <a:avLst/>
+          </a:prstGeom>
+        </p:spPr>
+      </p:pic>
+      <p:sp>
+        <p:nvSpPr>
+          <p:cNvPr id="7" name="TextBox 6">
+            <a:extLst>
+              <a:ext uri="{FF2B5EF4-FFF2-40B4-BE49-F238E27FC236}">
+                <a16:creationId xmlns:a16="http://schemas.microsoft.com/office/drawing/2014/main" id="{859EEC50-56BE-22B3-2852-FA9823C350D5}"/>
+              </a:ext>
+            </a:extLst>
+          </p:cNvPr>
+          <p:cNvSpPr txBox="1"/>
+          <p:nvPr/>
+        </p:nvSpPr>
+        <p:spPr>
+          <a:xfrm>
+            <a:off x="9326880" y="694210"/>
+            <a:ext cx="4667416" cy="424732"/>
+          </a:xfrm>
+          <a:prstGeom prst="rect">
+            <a:avLst/>
+          </a:prstGeom>
+          <a:noFill/>
+        </p:spPr>
+        <p:txBody>
+          <a:bodyPr wrap="square">
+            <a:spAutoFit/>
+          </a:bodyPr>
+          <a:lstStyle/>
+          <a:p>
+            <a:r>
+              <a:rPr lang="en-US" dirty="0">
+                <a:hlinkClick r:id="rId3"/>
+              </a:rPr>
+              <a:t>https://github.com/JGCRI/bed</a:t>
+            </a:r>
+            <a:r>
+              <a:rPr lang="en-US" dirty="0"/>
+              <a:t> </a:t>
+            </a:r>
+          </a:p>
+        </p:txBody>
+      </p:sp>
+    </p:spTree>
+    <p:extLst>
+      <p:ext uri="{BB962C8B-B14F-4D97-AF65-F5344CB8AC3E}">
+        <p14:creationId xmlns:p14="http://schemas.microsoft.com/office/powerpoint/2010/main" val="1738068605"/>
+      </p:ext>
+    </p:extLst>
+  </p:cSld>
+  <p:clrMapOvr>
+    <a:masterClrMapping/>
+  </p:clrMapOvr>
+  <mc:AlternateContent xmlns:mc="http://schemas.openxmlformats.org/markup-compatibility/2006" xmlns:p14="http://schemas.microsoft.com/office/powerpoint/2010/main">
+    <mc:Choice Requires="p14">
+      <p:transition spd="med" p14:dur="700">
+        <p:fade/>
+      </p:transition>
+    </mc:Choice>
+    <mc:Fallback xmlns="">
+      <p:transition spd="med">
+        <p:fade/>
+      </p:transition>
+    </mc:Fallback>
+  </mc:AlternateContent>
+</p:sld>
+</file>
+
+<file path=ppt/slides/slide5.xml><?xml version="1.0" encoding="utf-8"?>
+<p:sld xmlns:a="http://schemas.openxmlformats.org/drawingml/2006/main" xmlns:r="http://schemas.openxmlformats.org/officeDocument/2006/relationships" xmlns:p="http://schemas.openxmlformats.org/presentationml/2006/main">
+  <p:cSld>
+    <p:spTree>
+      <p:nvGrpSpPr>
+        <p:cNvPr id="1" name=""/>
+        <p:cNvGrpSpPr/>
+        <p:nvPr/>
+      </p:nvGrpSpPr>
+      <p:grpSpPr>
+        <a:xfrm>
+          <a:off x="0" y="0"/>
+          <a:ext cx="0" cy="0"/>
+          <a:chOff x="0" y="0"/>
+          <a:chExt cx="0" cy="0"/>
+        </a:xfrm>
+      </p:grpSpPr>
+      <p:sp>
+        <p:nvSpPr>
+          <p:cNvPr id="2" name="Slide Number Placeholder 1">
+            <a:extLst>
+              <a:ext uri="{FF2B5EF4-FFF2-40B4-BE49-F238E27FC236}">
                 <a16:creationId xmlns:a16="http://schemas.microsoft.com/office/drawing/2014/main" id="{E4E339B0-829B-ED4A-EC77-C3D97474A822}"/>
               </a:ext>
             </a:extLst>
@@ -7791,7 +7961,7 @@
             <a:fld id="{FE7A4BB3-E848-5A44-82DF-322201952CD8}" type="slidenum">
               <a:rPr lang="en-US" smtClean="0"/>
               <a:pPr/>
-              <a:t>4</a:t>
+              <a:t>5</a:t>
             </a:fld>
             <a:endParaRPr lang="en-US"/>
           </a:p>
@@ -7840,7 +8010,7 @@
           <p:nvPr>
             <p:extLst>
               <p:ext uri="{D42A27DB-BD31-4B8C-83A1-F6EECF244321}">
-                <p14:modId xmlns:p14="http://schemas.microsoft.com/office/powerpoint/2010/main" val="823662507"/>
+                <p14:modId xmlns:p14="http://schemas.microsoft.com/office/powerpoint/2010/main" val="310753083"/>
               </p:ext>
             </p:extLst>
           </p:nvPr>
@@ -8122,7 +8292,15 @@
                       </a:pPr>
                       <a:r>
                         <a:rPr lang="en-US" sz="1600" dirty="0"/>
-                        <a:t>Get test data from NASA/ASU team</a:t>
+                        <a:t>Get test data from NASA/ASU team – </a:t>
+                      </a:r>
+                      <a:r>
+                        <a:rPr lang="en-US" sz="1600" dirty="0">
+                          <a:solidFill>
+                            <a:srgbClr val="FF0000"/>
+                          </a:solidFill>
+                        </a:rPr>
+                        <a:t>2m Air Temperature (Still needed)</a:t>
                       </a:r>
                     </a:p>
                   </a:txBody>
@@ -10507,7 +10685,7 @@
 </p:sld>
 </file>
 
-<file path=ppt/slides/slide5.xml><?xml version="1.0" encoding="utf-8"?>
+<file path=ppt/slides/slide6.xml><?xml version="1.0" encoding="utf-8"?>
 <p:sld xmlns:a="http://schemas.openxmlformats.org/drawingml/2006/main" xmlns:r="http://schemas.openxmlformats.org/officeDocument/2006/relationships" xmlns:p="http://schemas.openxmlformats.org/presentationml/2006/main">
   <p:cSld>
     <p:spTree>

--- a/extras/presentations/pnnl_nasa_lcluc_task_4.pptx
+++ b/extras/presentations/pnnl_nasa_lcluc_task_4.pptx
@@ -13,8 +13,8 @@
   <p:sldIdLst>
     <p:sldId id="260" r:id="rId5"/>
     <p:sldId id="269" r:id="rId6"/>
-    <p:sldId id="272" r:id="rId7"/>
-    <p:sldId id="270" r:id="rId8"/>
+    <p:sldId id="270" r:id="rId7"/>
+    <p:sldId id="272" r:id="rId8"/>
     <p:sldId id="271" r:id="rId9"/>
     <p:sldId id="268" r:id="rId10"/>
   </p:sldIdLst>
@@ -234,7 +234,7 @@
           <a:p>
             <a:fld id="{C06E50B8-2EF8-564F-AE86-D84E6C503530}" type="datetimeFigureOut">
               <a:rPr lang="en-US" smtClean="0"/>
-              <a:t>7/13/2023</a:t>
+              <a:t>9/19/2023</a:t>
             </a:fld>
             <a:endParaRPr lang="en-US"/>
           </a:p>
@@ -411,7 +411,7 @@
           <a:p>
             <a:fld id="{13AC8D20-1945-7145-91A2-3D134BDA25E2}" type="datetimeFigureOut">
               <a:rPr lang="en-US" smtClean="0"/>
-              <a:t>7/13/2023</a:t>
+              <a:t>9/19/2023</a:t>
             </a:fld>
             <a:endParaRPr lang="en-US"/>
           </a:p>
@@ -1220,7 +1220,7 @@
           <a:p>
             <a:fld id="{ABD4F8E3-4ED9-44B4-99E6-8A3D2CF8D415}" type="datetime4">
               <a:rPr lang="en-US" smtClean="0"/>
-              <a:t>July 13, 2023</a:t>
+              <a:t>September 19, 2023</a:t>
             </a:fld>
             <a:endParaRPr lang="en-US"/>
           </a:p>
@@ -1900,7 +1900,7 @@
             <a:fld id="{9B7EE7B1-A6C1-4E39-8665-A73ED03F32E1}" type="datetimeFigureOut">
               <a:rPr lang="en-US" smtClean="0"/>
               <a:pPr/>
-              <a:t>7/13/2023</a:t>
+              <a:t>9/19/2023</a:t>
             </a:fld>
             <a:endParaRPr lang="en-US"/>
           </a:p>
@@ -2323,7 +2323,7 @@
             <a:fld id="{9B7EE7B1-A6C1-4E39-8665-A73ED03F32E1}" type="datetimeFigureOut">
               <a:rPr lang="en-US" smtClean="0"/>
               <a:pPr/>
-              <a:t>7/13/2023</a:t>
+              <a:t>9/19/2023</a:t>
             </a:fld>
             <a:endParaRPr lang="en-US"/>
           </a:p>
@@ -2747,7 +2747,7 @@
             <a:fld id="{9B7EE7B1-A6C1-4E39-8665-A73ED03F32E1}" type="datetimeFigureOut">
               <a:rPr lang="en-US" smtClean="0"/>
               <a:pPr/>
-              <a:t>7/13/2023</a:t>
+              <a:t>9/19/2023</a:t>
             </a:fld>
             <a:endParaRPr lang="en-US"/>
           </a:p>
@@ -3124,7 +3124,7 @@
             <a:fld id="{9B7EE7B1-A6C1-4E39-8665-A73ED03F32E1}" type="datetimeFigureOut">
               <a:rPr lang="en-US" smtClean="0"/>
               <a:pPr/>
-              <a:t>7/13/2023</a:t>
+              <a:t>9/19/2023</a:t>
             </a:fld>
             <a:endParaRPr lang="en-US"/>
           </a:p>
@@ -4048,7 +4048,7 @@
             <a:fld id="{9B7EE7B1-A6C1-4E39-8665-A73ED03F32E1}" type="datetimeFigureOut">
               <a:rPr lang="en-US" smtClean="0"/>
               <a:pPr/>
-              <a:t>7/13/2023</a:t>
+              <a:t>9/19/2023</a:t>
             </a:fld>
             <a:endParaRPr lang="en-US"/>
           </a:p>
@@ -5163,7 +5163,7 @@
             <a:fld id="{9B7EE7B1-A6C1-4E39-8665-A73ED03F32E1}" type="datetimeFigureOut">
               <a:rPr lang="en-US" smtClean="0"/>
               <a:pPr/>
-              <a:t>7/13/2023</a:t>
+              <a:t>9/19/2023</a:t>
             </a:fld>
             <a:endParaRPr lang="en-US"/>
           </a:p>
@@ -6305,7 +6305,7 @@
             <a:fld id="{9B7EE7B1-A6C1-4E39-8665-A73ED03F32E1}" type="datetimeFigureOut">
               <a:rPr lang="en-US" smtClean="0"/>
               <a:pPr/>
-              <a:t>7/13/2023</a:t>
+              <a:t>9/19/2023</a:t>
             </a:fld>
             <a:endParaRPr lang="en-US"/>
           </a:p>
@@ -6580,7 +6580,7 @@
             <a:fld id="{9B7EE7B1-A6C1-4E39-8665-A73ED03F32E1}" type="datetimeFigureOut">
               <a:rPr lang="en-US" smtClean="0"/>
               <a:pPr/>
-              <a:t>7/13/2023</a:t>
+              <a:t>9/19/2023</a:t>
             </a:fld>
             <a:endParaRPr lang="en-US"/>
           </a:p>
@@ -7500,6 +7500,88 @@
           </a:prstGeom>
         </p:spPr>
       </p:pic>
+      <p:sp>
+        <p:nvSpPr>
+          <p:cNvPr id="2" name="TextBox 1">
+            <a:extLst>
+              <a:ext uri="{FF2B5EF4-FFF2-40B4-BE49-F238E27FC236}">
+                <a16:creationId xmlns:a16="http://schemas.microsoft.com/office/drawing/2014/main" id="{C3C4890E-4FC3-E8E0-3032-246B72BDFEE7}"/>
+              </a:ext>
+            </a:extLst>
+          </p:cNvPr>
+          <p:cNvSpPr txBox="1"/>
+          <p:nvPr/>
+        </p:nvSpPr>
+        <p:spPr>
+          <a:xfrm>
+            <a:off x="7517219" y="2590379"/>
+            <a:ext cx="524503" cy="276999"/>
+          </a:xfrm>
+          <a:prstGeom prst="rect">
+            <a:avLst/>
+          </a:prstGeom>
+          <a:solidFill>
+            <a:schemeClr val="bg1"/>
+          </a:solidFill>
+        </p:spPr>
+        <p:txBody>
+          <a:bodyPr wrap="none" rtlCol="0">
+            <a:spAutoFit/>
+          </a:bodyPr>
+          <a:lstStyle/>
+          <a:p>
+            <a:r>
+              <a:rPr lang="en-US" sz="1200" b="1" dirty="0">
+                <a:solidFill>
+                  <a:srgbClr val="000000"/>
+                </a:solidFill>
+              </a:rPr>
+              <a:t>2004</a:t>
+            </a:r>
+          </a:p>
+        </p:txBody>
+      </p:sp>
+      <p:sp>
+        <p:nvSpPr>
+          <p:cNvPr id="4" name="TextBox 3">
+            <a:extLst>
+              <a:ext uri="{FF2B5EF4-FFF2-40B4-BE49-F238E27FC236}">
+                <a16:creationId xmlns:a16="http://schemas.microsoft.com/office/drawing/2014/main" id="{10D38337-F67E-C9CD-382B-BD6A4C109040}"/>
+              </a:ext>
+            </a:extLst>
+          </p:cNvPr>
+          <p:cNvSpPr txBox="1"/>
+          <p:nvPr/>
+        </p:nvSpPr>
+        <p:spPr>
+          <a:xfrm>
+            <a:off x="11997070" y="2590378"/>
+            <a:ext cx="524503" cy="276999"/>
+          </a:xfrm>
+          <a:prstGeom prst="rect">
+            <a:avLst/>
+          </a:prstGeom>
+          <a:solidFill>
+            <a:schemeClr val="bg1"/>
+          </a:solidFill>
+        </p:spPr>
+        <p:txBody>
+          <a:bodyPr wrap="none" rtlCol="0">
+            <a:spAutoFit/>
+          </a:bodyPr>
+          <a:lstStyle/>
+          <a:p>
+            <a:r>
+              <a:rPr lang="en-US" sz="1200" b="1" dirty="0">
+                <a:solidFill>
+                  <a:srgbClr val="000000"/>
+                </a:solidFill>
+              </a:rPr>
+              <a:t>2014</a:t>
+            </a:r>
+          </a:p>
+        </p:txBody>
+      </p:sp>
     </p:spTree>
     <p:extLst>
       <p:ext uri="{BB962C8B-B14F-4D97-AF65-F5344CB8AC3E}">
@@ -7547,7 +7629,7 @@
           <p:cNvPr id="2" name="Slide Number Placeholder 1">
             <a:extLst>
               <a:ext uri="{FF2B5EF4-FFF2-40B4-BE49-F238E27FC236}">
-                <a16:creationId xmlns:a16="http://schemas.microsoft.com/office/drawing/2014/main" id="{B50126A9-D392-F3EC-D55D-9D428B712A20}"/>
+                <a16:creationId xmlns:a16="http://schemas.microsoft.com/office/drawing/2014/main" id="{315DA470-EE99-7B9D-14CB-47D23144A70F}"/>
               </a:ext>
             </a:extLst>
           </p:cNvPr>
@@ -7577,7 +7659,7 @@
           <p:cNvPr id="3" name="Title 2">
             <a:extLst>
               <a:ext uri="{FF2B5EF4-FFF2-40B4-BE49-F238E27FC236}">
-                <a16:creationId xmlns:a16="http://schemas.microsoft.com/office/drawing/2014/main" id="{E51EE51F-9A68-2340-C9F4-F1B96221239A}"/>
+                <a16:creationId xmlns:a16="http://schemas.microsoft.com/office/drawing/2014/main" id="{03579298-52D9-06D9-B202-A007B27E78E1}"/>
               </a:ext>
             </a:extLst>
           </p:cNvPr>
@@ -7595,61 +7677,164 @@
           <a:p>
             <a:r>
               <a:rPr lang="en-US" dirty="0"/>
-              <a:t>Thoughts</a:t>
+              <a:t>Build Energy Model (BED)</a:t>
             </a:r>
           </a:p>
         </p:txBody>
       </p:sp>
       <p:sp>
         <p:nvSpPr>
-          <p:cNvPr id="4" name="Content Placeholder 3">
-            <a:extLst>
-              <a:ext uri="{FF2B5EF4-FFF2-40B4-BE49-F238E27FC236}">
-                <a16:creationId xmlns:a16="http://schemas.microsoft.com/office/drawing/2014/main" id="{8B9553E7-DD7D-4013-CCD9-0BE7F0F3D74E}"/>
-              </a:ext>
-            </a:extLst>
-          </p:cNvPr>
-          <p:cNvSpPr>
+          <p:cNvPr id="5" name="Content Placeholder 4">
+            <a:extLst>
+              <a:ext uri="{FF2B5EF4-FFF2-40B4-BE49-F238E27FC236}">
+                <a16:creationId xmlns:a16="http://schemas.microsoft.com/office/drawing/2014/main" id="{D39ECA88-B557-5C01-FE92-E6708327A3B3}"/>
+              </a:ext>
+            </a:extLst>
+          </p:cNvPr>
+          <p:cNvSpPr txBox="1">
             <a:spLocks noGrp="1"/>
           </p:cNvSpPr>
           <p:nvPr>
             <p:ph sz="quarter" idx="20"/>
           </p:nvPr>
         </p:nvSpPr>
-        <p:spPr/>
-        <p:txBody>
-          <a:bodyPr/>
+        <p:spPr>
+          <a:xfrm>
+            <a:off x="1371600" y="2077898"/>
+            <a:ext cx="4535424" cy="4475071"/>
+          </a:xfrm>
+          <a:prstGeom prst="rect">
+            <a:avLst/>
+          </a:prstGeom>
+          <a:noFill/>
+        </p:spPr>
+        <p:txBody>
+          <a:bodyPr wrap="square" rtlCol="0">
+            <a:spAutoFit/>
+          </a:bodyPr>
           <a:lstStyle/>
           <a:p>
+            <a:pPr marL="285750" indent="-285750">
+              <a:spcAft>
+                <a:spcPts val="1200"/>
+              </a:spcAft>
+              <a:buFont typeface="Arial" panose="020B0604020202020204" pitchFamily="34" charset="0"/>
+              <a:buChar char="•"/>
+            </a:pPr>
+            <a:r>
+              <a:rPr lang="en-US" sz="1600" dirty="0"/>
+              <a:t>Building Energy Demand (BED) model is a Python package to process high-resolution data (e.g., near-surface temperature from WRF at 1-km resolution) and estimate spatial distribution of building energy demand.</a:t>
+            </a:r>
+          </a:p>
+          <a:p>
+            <a:pPr marL="285750" indent="-285750">
+              <a:spcAft>
+                <a:spcPts val="1200"/>
+              </a:spcAft>
+              <a:buFont typeface="Arial" panose="020B0604020202020204" pitchFamily="34" charset="0"/>
+              <a:buChar char="•"/>
+            </a:pPr>
+            <a:r>
+              <a:rPr lang="en-US" sz="1600" dirty="0"/>
+              <a:t>The outputs from the BED model can be used together with outputs from a modified version of the Global Change Analysis Model - GCAM-Morocco to explore emissions, water demand, and electricity generation by different fuel types in Morocco.</a:t>
+            </a:r>
+          </a:p>
+          <a:p>
+            <a:pPr marL="285750" indent="-285750">
+              <a:spcAft>
+                <a:spcPts val="1200"/>
+              </a:spcAft>
+              <a:buFont typeface="Arial" panose="020B0604020202020204" pitchFamily="34" charset="0"/>
+              <a:buChar char="•"/>
+            </a:pPr>
+            <a:r>
+              <a:rPr lang="en-US" sz="1600" dirty="0"/>
+              <a:t>More broadly, the BED model is developed for researchers to explore the shifts of building energy demand at fine resolutions in response to environmental and socio-economic changes.</a:t>
+            </a:r>
+          </a:p>
+        </p:txBody>
+      </p:sp>
+      <p:pic>
+        <p:nvPicPr>
+          <p:cNvPr id="6" name="Picture 5">
+            <a:extLst>
+              <a:ext uri="{FF2B5EF4-FFF2-40B4-BE49-F238E27FC236}">
+                <a16:creationId xmlns:a16="http://schemas.microsoft.com/office/drawing/2014/main" id="{278B64D8-8767-3CF0-6B33-1FF3EC56A1B6}"/>
+              </a:ext>
+            </a:extLst>
+          </p:cNvPr>
+          <p:cNvPicPr>
+            <a:picLocks noChangeAspect="1"/>
+          </p:cNvPicPr>
+          <p:nvPr/>
+        </p:nvPicPr>
+        <p:blipFill>
+          <a:blip r:embed="rId2">
+            <a:extLst>
+              <a:ext uri="{28A0092B-C50C-407E-A947-70E740481C1C}">
+                <a14:useLocalDpi xmlns:a14="http://schemas.microsoft.com/office/drawing/2010/main" val="0"/>
+              </a:ext>
+            </a:extLst>
+          </a:blip>
+          <a:stretch>
+            <a:fillRect/>
+          </a:stretch>
+        </p:blipFill>
+        <p:spPr>
+          <a:xfrm>
+            <a:off x="6456422" y="1736291"/>
+            <a:ext cx="7844794" cy="5158286"/>
+          </a:xfrm>
+          <a:prstGeom prst="rect">
+            <a:avLst/>
+          </a:prstGeom>
+        </p:spPr>
+      </p:pic>
+      <p:sp>
+        <p:nvSpPr>
+          <p:cNvPr id="7" name="TextBox 6">
+            <a:extLst>
+              <a:ext uri="{FF2B5EF4-FFF2-40B4-BE49-F238E27FC236}">
+                <a16:creationId xmlns:a16="http://schemas.microsoft.com/office/drawing/2014/main" id="{859EEC50-56BE-22B3-2852-FA9823C350D5}"/>
+              </a:ext>
+            </a:extLst>
+          </p:cNvPr>
+          <p:cNvSpPr txBox="1"/>
+          <p:nvPr/>
+        </p:nvSpPr>
+        <p:spPr>
+          <a:xfrm>
+            <a:off x="9326880" y="694210"/>
+            <a:ext cx="4667416" cy="424732"/>
+          </a:xfrm>
+          <a:prstGeom prst="rect">
+            <a:avLst/>
+          </a:prstGeom>
+          <a:noFill/>
+        </p:spPr>
+        <p:txBody>
+          <a:bodyPr wrap="square">
+            <a:spAutoFit/>
+          </a:bodyPr>
+          <a:lstStyle/>
+          <a:p>
+            <a:r>
+              <a:rPr lang="en-US" dirty="0">
+                <a:hlinkClick r:id="rId3"/>
+              </a:rPr>
+              <a:t>https://github.com/JGCRI/bed</a:t>
+            </a:r>
             <a:r>
               <a:rPr lang="en-US" dirty="0"/>
-              <a:t>Global temperature pathways</a:t>
+              <a:t> </a:t>
             </a:r>
-          </a:p>
-          <a:p>
-            <a:r>
-              <a:rPr lang="en-US" dirty="0"/>
-              <a:t>UHI impact + x degrees </a:t>
-            </a:r>
-          </a:p>
-          <a:p>
-            <a:endParaRPr lang="en-US" dirty="0"/>
-          </a:p>
-          <a:p>
-            <a:r>
-              <a:rPr lang="en-US" dirty="0"/>
-              <a:t>Task 4: Uses these temp info to calculate Building Energy Demands/Elec impacts/Emissions</a:t>
-            </a:r>
-          </a:p>
-          <a:p>
-            <a:endParaRPr lang="en-US" dirty="0"/>
           </a:p>
         </p:txBody>
       </p:sp>
     </p:spTree>
     <p:extLst>
       <p:ext uri="{BB962C8B-B14F-4D97-AF65-F5344CB8AC3E}">
-        <p14:creationId xmlns:p14="http://schemas.microsoft.com/office/powerpoint/2010/main" val="407201811"/>
+        <p14:creationId xmlns:p14="http://schemas.microsoft.com/office/powerpoint/2010/main" val="1738068605"/>
       </p:ext>
     </p:extLst>
   </p:cSld>
@@ -7693,7 +7878,7 @@
           <p:cNvPr id="2" name="Slide Number Placeholder 1">
             <a:extLst>
               <a:ext uri="{FF2B5EF4-FFF2-40B4-BE49-F238E27FC236}">
-                <a16:creationId xmlns:a16="http://schemas.microsoft.com/office/drawing/2014/main" id="{315DA470-EE99-7B9D-14CB-47D23144A70F}"/>
+                <a16:creationId xmlns:a16="http://schemas.microsoft.com/office/drawing/2014/main" id="{8A0A7C3D-3DDA-BB22-59A8-40180CA12AA0}"/>
               </a:ext>
             </a:extLst>
           </p:cNvPr>
@@ -7718,112 +7903,106 @@
           </a:p>
         </p:txBody>
       </p:sp>
-      <p:sp>
-        <p:nvSpPr>
-          <p:cNvPr id="3" name="Title 2">
-            <a:extLst>
-              <a:ext uri="{FF2B5EF4-FFF2-40B4-BE49-F238E27FC236}">
-                <a16:creationId xmlns:a16="http://schemas.microsoft.com/office/drawing/2014/main" id="{03579298-52D9-06D9-B202-A007B27E78E1}"/>
-              </a:ext>
-            </a:extLst>
-          </p:cNvPr>
-          <p:cNvSpPr>
-            <a:spLocks noGrp="1"/>
-          </p:cNvSpPr>
-          <p:nvPr>
-            <p:ph type="title"/>
-          </p:nvPr>
-        </p:nvSpPr>
-        <p:spPr/>
-        <p:txBody>
-          <a:bodyPr/>
-          <a:lstStyle/>
-          <a:p>
-            <a:r>
-              <a:rPr lang="en-US" dirty="0"/>
-              <a:t>Build Energy Model (BED)</a:t>
-            </a:r>
-          </a:p>
-        </p:txBody>
-      </p:sp>
-      <p:sp>
-        <p:nvSpPr>
-          <p:cNvPr id="5" name="Content Placeholder 4">
-            <a:extLst>
-              <a:ext uri="{FF2B5EF4-FFF2-40B4-BE49-F238E27FC236}">
-                <a16:creationId xmlns:a16="http://schemas.microsoft.com/office/drawing/2014/main" id="{D39ECA88-B557-5C01-FE92-E6708327A3B3}"/>
-              </a:ext>
-            </a:extLst>
-          </p:cNvPr>
-          <p:cNvSpPr txBox="1">
-            <a:spLocks noGrp="1"/>
-          </p:cNvSpPr>
-          <p:nvPr>
-            <p:ph sz="quarter" idx="20"/>
-          </p:nvPr>
-        </p:nvSpPr>
-        <p:spPr>
-          <a:xfrm>
-            <a:off x="1371600" y="2077898"/>
-            <a:ext cx="4535424" cy="4475071"/>
+      <p:pic>
+        <p:nvPicPr>
+          <p:cNvPr id="5" name="Picture 2">
+            <a:extLst>
+              <a:ext uri="{FF2B5EF4-FFF2-40B4-BE49-F238E27FC236}">
+                <a16:creationId xmlns:a16="http://schemas.microsoft.com/office/drawing/2014/main" id="{27E7F1A3-0C54-3F69-126B-74FD3E7111D9}"/>
+              </a:ext>
+            </a:extLst>
+          </p:cNvPr>
+          <p:cNvPicPr>
+            <a:picLocks noChangeAspect="1" noChangeArrowheads="1"/>
+          </p:cNvPicPr>
+          <p:nvPr/>
+        </p:nvPicPr>
+        <p:blipFill>
+          <a:blip r:embed="rId2">
+            <a:extLst>
+              <a:ext uri="{28A0092B-C50C-407E-A947-70E740481C1C}">
+                <a14:useLocalDpi xmlns:a14="http://schemas.microsoft.com/office/drawing/2010/main" val="0"/>
+              </a:ext>
+            </a:extLst>
+          </a:blip>
+          <a:srcRect/>
+          <a:stretch>
+            <a:fillRect/>
+          </a:stretch>
+        </p:blipFill>
+        <p:spPr bwMode="auto">
+          <a:xfrm>
+            <a:off x="2109194" y="1973235"/>
+            <a:ext cx="2998871" cy="2998871"/>
           </a:xfrm>
           <a:prstGeom prst="rect">
             <a:avLst/>
           </a:prstGeom>
           <a:noFill/>
-        </p:spPr>
-        <p:txBody>
-          <a:bodyPr wrap="square" rtlCol="0">
-            <a:spAutoFit/>
-          </a:bodyPr>
-          <a:lstStyle/>
-          <a:p>
-            <a:pPr marL="285750" indent="-285750">
-              <a:spcAft>
-                <a:spcPts val="1200"/>
-              </a:spcAft>
-              <a:buFont typeface="Arial" panose="020B0604020202020204" pitchFamily="34" charset="0"/>
-              <a:buChar char="•"/>
-            </a:pPr>
-            <a:r>
-              <a:rPr lang="en-US" sz="1600" dirty="0"/>
-              <a:t>Building Energy Demand (BED) model is a Python package to process high-resolution data (e.g., near-surface temperature from WRF at 1-km resolution) and estimate spatial distribution of building energy demand.</a:t>
-            </a:r>
-          </a:p>
-          <a:p>
-            <a:pPr marL="285750" indent="-285750">
-              <a:spcAft>
-                <a:spcPts val="1200"/>
-              </a:spcAft>
-              <a:buFont typeface="Arial" panose="020B0604020202020204" pitchFamily="34" charset="0"/>
-              <a:buChar char="•"/>
-            </a:pPr>
-            <a:r>
-              <a:rPr lang="en-US" sz="1600" dirty="0"/>
-              <a:t>The outputs from the BED model can be used together with outputs from a modified version of the Global Change Analysis Model - GCAM-Morocco to explore emissions, water demand, and electricity generation by different fuel types in Morocco.</a:t>
-            </a:r>
-          </a:p>
-          <a:p>
-            <a:pPr marL="285750" indent="-285750">
-              <a:spcAft>
-                <a:spcPts val="1200"/>
-              </a:spcAft>
-              <a:buFont typeface="Arial" panose="020B0604020202020204" pitchFamily="34" charset="0"/>
-              <a:buChar char="•"/>
-            </a:pPr>
-            <a:r>
-              <a:rPr lang="en-US" sz="1600" dirty="0"/>
-              <a:t>More broadly, the BED model is developed for researchers to explore the shifts of building energy demand at fine resolutions in response to environmental and socio-economic changes.</a:t>
-            </a:r>
-          </a:p>
-        </p:txBody>
-      </p:sp>
+          <a:extLst>
+            <a:ext uri="{909E8E84-426E-40DD-AFC4-6F175D3DCCD1}">
+              <a14:hiddenFill xmlns:a14="http://schemas.microsoft.com/office/drawing/2010/main">
+                <a:solidFill>
+                  <a:srgbClr val="FFFFFF"/>
+                </a:solidFill>
+              </a14:hiddenFill>
+            </a:ext>
+          </a:extLst>
+        </p:spPr>
+      </p:pic>
       <p:pic>
         <p:nvPicPr>
-          <p:cNvPr id="6" name="Picture 5">
-            <a:extLst>
-              <a:ext uri="{FF2B5EF4-FFF2-40B4-BE49-F238E27FC236}">
-                <a16:creationId xmlns:a16="http://schemas.microsoft.com/office/drawing/2014/main" id="{278B64D8-8767-3CF0-6B33-1FF3EC56A1B6}"/>
+          <p:cNvPr id="6" name="Picture 4">
+            <a:extLst>
+              <a:ext uri="{FF2B5EF4-FFF2-40B4-BE49-F238E27FC236}">
+                <a16:creationId xmlns:a16="http://schemas.microsoft.com/office/drawing/2014/main" id="{1C5A4B58-A096-4683-40E9-E1DDC7B86D55}"/>
+              </a:ext>
+            </a:extLst>
+          </p:cNvPr>
+          <p:cNvPicPr>
+            <a:picLocks noChangeAspect="1" noChangeArrowheads="1"/>
+          </p:cNvPicPr>
+          <p:nvPr/>
+        </p:nvPicPr>
+        <p:blipFill>
+          <a:blip r:embed="rId3">
+            <a:extLst>
+              <a:ext uri="{28A0092B-C50C-407E-A947-70E740481C1C}">
+                <a14:useLocalDpi xmlns:a14="http://schemas.microsoft.com/office/drawing/2010/main" val="0"/>
+              </a:ext>
+            </a:extLst>
+          </a:blip>
+          <a:srcRect/>
+          <a:stretch>
+            <a:fillRect/>
+          </a:stretch>
+        </p:blipFill>
+        <p:spPr bwMode="auto">
+          <a:xfrm>
+            <a:off x="5197343" y="1925802"/>
+            <a:ext cx="3124872" cy="3124872"/>
+          </a:xfrm>
+          <a:prstGeom prst="rect">
+            <a:avLst/>
+          </a:prstGeom>
+          <a:noFill/>
+          <a:extLst>
+            <a:ext uri="{909E8E84-426E-40DD-AFC4-6F175D3DCCD1}">
+              <a14:hiddenFill xmlns:a14="http://schemas.microsoft.com/office/drawing/2010/main">
+                <a:solidFill>
+                  <a:srgbClr val="FFFFFF"/>
+                </a:solidFill>
+              </a14:hiddenFill>
+            </a:ext>
+          </a:extLst>
+        </p:spPr>
+      </p:pic>
+      <p:pic>
+        <p:nvPicPr>
+          <p:cNvPr id="8" name="Picture 7" descr="Chart, histogram&#10;&#10;Description automatically generated">
+            <a:extLst>
+              <a:ext uri="{FF2B5EF4-FFF2-40B4-BE49-F238E27FC236}">
+                <a16:creationId xmlns:a16="http://schemas.microsoft.com/office/drawing/2014/main" id="{4F9D6896-0BE9-6D9B-7EDC-BC1B52F378D9}"/>
               </a:ext>
             </a:extLst>
           </p:cNvPr>
@@ -7833,64 +8012,250 @@
           <p:nvPr/>
         </p:nvPicPr>
         <p:blipFill>
-          <a:blip r:embed="rId2">
-            <a:extLst>
-              <a:ext uri="{28A0092B-C50C-407E-A947-70E740481C1C}">
-                <a14:useLocalDpi xmlns:a14="http://schemas.microsoft.com/office/drawing/2010/main" val="0"/>
-              </a:ext>
-            </a:extLst>
-          </a:blip>
+          <a:blip r:embed="rId4"/>
           <a:stretch>
             <a:fillRect/>
           </a:stretch>
         </p:blipFill>
         <p:spPr>
           <a:xfrm>
-            <a:off x="6456422" y="1736291"/>
-            <a:ext cx="7844794" cy="5158286"/>
+            <a:off x="2479725" y="5610713"/>
+            <a:ext cx="5725167" cy="2453643"/>
           </a:xfrm>
           <a:prstGeom prst="rect">
             <a:avLst/>
           </a:prstGeom>
         </p:spPr>
       </p:pic>
-      <p:sp>
-        <p:nvSpPr>
-          <p:cNvPr id="7" name="TextBox 6">
-            <a:extLst>
-              <a:ext uri="{FF2B5EF4-FFF2-40B4-BE49-F238E27FC236}">
-                <a16:creationId xmlns:a16="http://schemas.microsoft.com/office/drawing/2014/main" id="{859EEC50-56BE-22B3-2852-FA9823C350D5}"/>
-              </a:ext>
-            </a:extLst>
-          </p:cNvPr>
-          <p:cNvSpPr txBox="1"/>
+      <p:pic>
+        <p:nvPicPr>
+          <p:cNvPr id="11" name="Picture 10">
+            <a:extLst>
+              <a:ext uri="{FF2B5EF4-FFF2-40B4-BE49-F238E27FC236}">
+                <a16:creationId xmlns:a16="http://schemas.microsoft.com/office/drawing/2014/main" id="{9B8CC212-91C9-D535-C299-10016303C274}"/>
+              </a:ext>
+            </a:extLst>
+          </p:cNvPr>
+          <p:cNvPicPr>
+            <a:picLocks noChangeAspect="1"/>
+          </p:cNvPicPr>
           <p:nvPr/>
-        </p:nvSpPr>
-        <p:spPr>
-          <a:xfrm>
-            <a:off x="9326880" y="694210"/>
-            <a:ext cx="4667416" cy="424732"/>
+        </p:nvPicPr>
+        <p:blipFill rotWithShape="1">
+          <a:blip r:embed="rId5"/>
+          <a:srcRect l="11659" r="14261"/>
+          <a:stretch/>
+        </p:blipFill>
+        <p:spPr>
+          <a:xfrm>
+            <a:off x="9049349" y="2620835"/>
+            <a:ext cx="5171558" cy="4070790"/>
           </a:xfrm>
           <a:prstGeom prst="rect">
             <a:avLst/>
           </a:prstGeom>
-          <a:noFill/>
-        </p:spPr>
-        <p:txBody>
-          <a:bodyPr wrap="square">
-            <a:spAutoFit/>
-          </a:bodyPr>
+        </p:spPr>
+      </p:pic>
+      <p:sp>
+        <p:nvSpPr>
+          <p:cNvPr id="13" name="Rectangle 12">
+            <a:extLst>
+              <a:ext uri="{FF2B5EF4-FFF2-40B4-BE49-F238E27FC236}">
+                <a16:creationId xmlns:a16="http://schemas.microsoft.com/office/drawing/2014/main" id="{67EC0027-4F33-9C7D-9ED6-3400BF5B5B14}"/>
+              </a:ext>
+            </a:extLst>
+          </p:cNvPr>
+          <p:cNvSpPr/>
+          <p:nvPr/>
+        </p:nvSpPr>
+        <p:spPr>
+          <a:xfrm>
+            <a:off x="2019916" y="1550262"/>
+            <a:ext cx="2955199" cy="581811"/>
+          </a:xfrm>
+          <a:prstGeom prst="rect">
+            <a:avLst/>
+          </a:prstGeom>
+          <a:solidFill>
+            <a:schemeClr val="bg1"/>
+          </a:solidFill>
+          <a:ln>
+            <a:noFill/>
+          </a:ln>
+        </p:spPr>
+        <p:style>
+          <a:lnRef idx="2">
+            <a:schemeClr val="accent1">
+              <a:shade val="50000"/>
+            </a:schemeClr>
+          </a:lnRef>
+          <a:fillRef idx="1">
+            <a:schemeClr val="accent1"/>
+          </a:fillRef>
+          <a:effectRef idx="0">
+            <a:schemeClr val="accent1"/>
+          </a:effectRef>
+          <a:fontRef idx="minor">
+            <a:schemeClr val="lt1"/>
+          </a:fontRef>
+        </p:style>
+        <p:txBody>
+          <a:bodyPr rtlCol="0" anchor="ctr"/>
           <a:lstStyle/>
           <a:p>
+            <a:pPr algn="ctr"/>
             <a:r>
-              <a:rPr lang="en-US" dirty="0">
-                <a:hlinkClick r:id="rId3"/>
+              <a:rPr lang="en-US" sz="1800" dirty="0">
+                <a:solidFill>
+                  <a:srgbClr val="000000"/>
+                </a:solidFill>
               </a:rPr>
-              <a:t>https://github.com/JGCRI/bed</a:t>
+              <a:t>a) Morocco Population 2014</a:t>
+            </a:r>
+          </a:p>
+        </p:txBody>
+      </p:sp>
+      <p:sp>
+        <p:nvSpPr>
+          <p:cNvPr id="14" name="Rectangle 13">
+            <a:extLst>
+              <a:ext uri="{FF2B5EF4-FFF2-40B4-BE49-F238E27FC236}">
+                <a16:creationId xmlns:a16="http://schemas.microsoft.com/office/drawing/2014/main" id="{89E3F944-41A1-1B9E-8F39-15E93B562E26}"/>
+              </a:ext>
+            </a:extLst>
+          </p:cNvPr>
+          <p:cNvSpPr/>
+          <p:nvPr/>
+        </p:nvSpPr>
+        <p:spPr>
+          <a:xfrm>
+            <a:off x="5197343" y="1511673"/>
+            <a:ext cx="3500608" cy="620400"/>
+          </a:xfrm>
+          <a:prstGeom prst="rect">
+            <a:avLst/>
+          </a:prstGeom>
+          <a:solidFill>
+            <a:schemeClr val="bg1"/>
+          </a:solidFill>
+          <a:ln>
+            <a:noFill/>
+          </a:ln>
+        </p:spPr>
+        <p:style>
+          <a:lnRef idx="2">
+            <a:schemeClr val="accent1">
+              <a:shade val="50000"/>
+            </a:schemeClr>
+          </a:lnRef>
+          <a:fillRef idx="1">
+            <a:schemeClr val="accent1"/>
+          </a:fillRef>
+          <a:effectRef idx="0">
+            <a:schemeClr val="accent1"/>
+          </a:effectRef>
+          <a:fontRef idx="minor">
+            <a:schemeClr val="lt1"/>
+          </a:fontRef>
+        </p:style>
+        <p:txBody>
+          <a:bodyPr rtlCol="0" anchor="ctr"/>
+          <a:lstStyle/>
+          <a:p>
+            <a:pPr algn="ctr"/>
+            <a:r>
+              <a:rPr lang="en-US" sz="1800" dirty="0">
+                <a:solidFill>
+                  <a:srgbClr val="000000"/>
+                </a:solidFill>
+              </a:rPr>
+              <a:t>b) </a:t>
             </a:r>
             <a:r>
-              <a:rPr lang="en-US" dirty="0"/>
-              <a:t> </a:t>
+              <a:rPr lang="en-US" sz="1800" dirty="0" err="1">
+                <a:solidFill>
+                  <a:srgbClr val="000000"/>
+                </a:solidFill>
+              </a:rPr>
+              <a:t>Casablance</a:t>
+            </a:r>
+            <a:r>
+              <a:rPr lang="en-US" sz="1800" dirty="0">
+                <a:solidFill>
+                  <a:srgbClr val="000000"/>
+                </a:solidFill>
+              </a:rPr>
+              <a:t> Building </a:t>
+            </a:r>
+          </a:p>
+          <a:p>
+            <a:pPr algn="ctr"/>
+            <a:r>
+              <a:rPr lang="en-US" sz="1800" dirty="0">
+                <a:solidFill>
+                  <a:srgbClr val="000000"/>
+                </a:solidFill>
+              </a:rPr>
+              <a:t>Heights (m) 2018</a:t>
+            </a:r>
+          </a:p>
+        </p:txBody>
+      </p:sp>
+      <p:sp>
+        <p:nvSpPr>
+          <p:cNvPr id="15" name="Rectangle 14">
+            <a:extLst>
+              <a:ext uri="{FF2B5EF4-FFF2-40B4-BE49-F238E27FC236}">
+                <a16:creationId xmlns:a16="http://schemas.microsoft.com/office/drawing/2014/main" id="{431A80F9-7CEC-82A0-8276-35D0FBF8A307}"/>
+              </a:ext>
+            </a:extLst>
+          </p:cNvPr>
+          <p:cNvSpPr/>
+          <p:nvPr/>
+        </p:nvSpPr>
+        <p:spPr>
+          <a:xfrm>
+            <a:off x="3497515" y="5050674"/>
+            <a:ext cx="3349732" cy="581811"/>
+          </a:xfrm>
+          <a:prstGeom prst="rect">
+            <a:avLst/>
+          </a:prstGeom>
+          <a:solidFill>
+            <a:schemeClr val="bg1"/>
+          </a:solidFill>
+          <a:ln>
+            <a:noFill/>
+          </a:ln>
+        </p:spPr>
+        <p:style>
+          <a:lnRef idx="2">
+            <a:schemeClr val="accent1">
+              <a:shade val="50000"/>
+            </a:schemeClr>
+          </a:lnRef>
+          <a:fillRef idx="1">
+            <a:schemeClr val="accent1"/>
+          </a:fillRef>
+          <a:effectRef idx="0">
+            <a:schemeClr val="accent1"/>
+          </a:effectRef>
+          <a:fontRef idx="minor">
+            <a:schemeClr val="lt1"/>
+          </a:fontRef>
+        </p:style>
+        <p:txBody>
+          <a:bodyPr rtlCol="0" anchor="ctr"/>
+          <a:lstStyle/>
+          <a:p>
+            <a:pPr algn="ctr"/>
+            <a:r>
+              <a:rPr lang="en-US" sz="1800" dirty="0">
+                <a:solidFill>
+                  <a:srgbClr val="000000"/>
+                </a:solidFill>
+              </a:rPr>
+              <a:t>c) Hourly Temperature (K)</a:t>
             </a:r>
           </a:p>
         </p:txBody>
@@ -7898,7 +8263,7 @@
     </p:spTree>
     <p:extLst>
       <p:ext uri="{BB962C8B-B14F-4D97-AF65-F5344CB8AC3E}">
-        <p14:creationId xmlns:p14="http://schemas.microsoft.com/office/powerpoint/2010/main" val="1738068605"/>
+        <p14:creationId xmlns:p14="http://schemas.microsoft.com/office/powerpoint/2010/main" val="783607374"/>
       </p:ext>
     </p:extLst>
   </p:cSld>
@@ -11612,43 +11977,6 @@
 </file>
 
 <file path=customXml/item1.xml><?xml version="1.0" encoding="utf-8"?>
-<p:properties xmlns:p="http://schemas.microsoft.com/office/2006/metadata/properties" xmlns:xsi="http://www.w3.org/2001/XMLSchema-instance" xmlns:pc="http://schemas.microsoft.com/office/infopath/2007/PartnerControls">
-  <documentManagement>
-    <TaxCatchAll xmlns="5cece13e-3376-4417-9525-be60b11a89a8" xsi:nil="true"/>
-    <lcf76f155ced4ddcb4097134ff3c332f xmlns="e072e622-bd42-4407-92d8-63b31e50c8b8">
-      <Terms xmlns="http://schemas.microsoft.com/office/infopath/2007/PartnerControls"/>
-    </lcf76f155ced4ddcb4097134ff3c332f>
-    <SharedWithUsers xmlns="2f657e29-5579-4d67-9714-33a99ca17674">
-      <UserInfo>
-        <DisplayName>Francavilla, Eric R</DisplayName>
-        <AccountId>61</AccountId>
-        <AccountType/>
-      </UserInfo>
-      <UserInfo>
-        <DisplayName>Starr, Andrea S</DisplayName>
-        <AccountId>62</AccountId>
-        <AccountType/>
-      </UserInfo>
-      <UserInfo>
-        <DisplayName>Steyn, Rita A</DisplayName>
-        <AccountId>63</AccountId>
-        <AccountType/>
-      </UserInfo>
-    </SharedWithUsers>
-  </documentManagement>
-</p:properties>
-</file>
-
-<file path=customXml/item2.xml><?xml version="1.0" encoding="utf-8"?>
-<?mso-contentType ?>
-<FormTemplates xmlns="http://schemas.microsoft.com/sharepoint/v3/contenttype/forms">
-  <Display>DocumentLibraryForm</Display>
-  <Edit>DocumentLibraryForm</Edit>
-  <New>DocumentLibraryForm</New>
-</FormTemplates>
-</file>
-
-<file path=customXml/item3.xml><?xml version="1.0" encoding="utf-8"?>
 <ct:contentTypeSchema xmlns:ct="http://schemas.microsoft.com/office/2006/metadata/contentType" xmlns:ma="http://schemas.microsoft.com/office/2006/metadata/properties/metaAttributes" ct:_="" ma:_="" ma:contentTypeName="Document" ma:contentTypeID="0x010100AC6325C85601C843AA771B2E48854952" ma:contentTypeVersion="10" ma:contentTypeDescription="Create a new document." ma:contentTypeScope="" ma:versionID="138b388e31f7ef44ff4bf3f612a34851">
   <xsd:schema xmlns:xsd="http://www.w3.org/2001/XMLSchema" xmlns:xs="http://www.w3.org/2001/XMLSchema" xmlns:p="http://schemas.microsoft.com/office/2006/metadata/properties" xmlns:ns2="2f657e29-5579-4d67-9714-33a99ca17674" xmlns:ns3="e072e622-bd42-4407-92d8-63b31e50c8b8" xmlns:ns4="5cece13e-3376-4417-9525-be60b11a89a8" targetNamespace="http://schemas.microsoft.com/office/2006/metadata/properties" ma:root="true" ma:fieldsID="f2999c5b41d41b9825abb5f93b596444" ns2:_="" ns3:_="" ns4:_="">
     <xsd:import namespace="2f657e29-5579-4d67-9714-33a99ca17674"/>
@@ -11858,33 +12186,44 @@
 </ct:contentTypeSchema>
 </file>
 
-<file path=customXml/itemProps1.xml><?xml version="1.0" encoding="utf-8"?>
-<ds:datastoreItem xmlns:ds="http://schemas.openxmlformats.org/officeDocument/2006/customXml" ds:itemID="{3DF3F6F2-B28F-46AF-9C63-963F9CE6979D}">
-  <ds:schemaRefs>
-    <ds:schemaRef ds:uri="http://purl.org/dc/terms/"/>
-    <ds:schemaRef ds:uri="5cece13e-3376-4417-9525-be60b11a89a8"/>
-    <ds:schemaRef ds:uri="2f657e29-5579-4d67-9714-33a99ca17674"/>
-    <ds:schemaRef ds:uri="e072e622-bd42-4407-92d8-63b31e50c8b8"/>
-    <ds:schemaRef ds:uri="http://schemas.microsoft.com/office/2006/documentManagement/types"/>
-    <ds:schemaRef ds:uri="http://www.w3.org/XML/1998/namespace"/>
-    <ds:schemaRef ds:uri="http://schemas.microsoft.com/office/infopath/2007/PartnerControls"/>
-    <ds:schemaRef ds:uri="http://purl.org/dc/elements/1.1/"/>
-    <ds:schemaRef ds:uri="http://schemas.openxmlformats.org/package/2006/metadata/core-properties"/>
-    <ds:schemaRef ds:uri="http://schemas.microsoft.com/office/2006/metadata/properties"/>
-    <ds:schemaRef ds:uri="http://purl.org/dc/dcmitype/"/>
-  </ds:schemaRefs>
-</ds:datastoreItem>
+<file path=customXml/item2.xml><?xml version="1.0" encoding="utf-8"?>
+<?mso-contentType ?>
+<FormTemplates xmlns="http://schemas.microsoft.com/sharepoint/v3/contenttype/forms">
+  <Display>DocumentLibraryForm</Display>
+  <Edit>DocumentLibraryForm</Edit>
+  <New>DocumentLibraryForm</New>
+</FormTemplates>
 </file>
 
-<file path=customXml/itemProps2.xml><?xml version="1.0" encoding="utf-8"?>
-<ds:datastoreItem xmlns:ds="http://schemas.openxmlformats.org/officeDocument/2006/customXml" ds:itemID="{9536DFC8-E7A6-4466-9623-995D1E943321}">
-  <ds:schemaRefs>
-    <ds:schemaRef ds:uri="http://schemas.microsoft.com/sharepoint/v3/contenttype/forms"/>
-  </ds:schemaRefs>
-</ds:datastoreItem>
+<file path=customXml/item3.xml><?xml version="1.0" encoding="utf-8"?>
+<p:properties xmlns:p="http://schemas.microsoft.com/office/2006/metadata/properties" xmlns:xsi="http://www.w3.org/2001/XMLSchema-instance" xmlns:pc="http://schemas.microsoft.com/office/infopath/2007/PartnerControls">
+  <documentManagement>
+    <TaxCatchAll xmlns="5cece13e-3376-4417-9525-be60b11a89a8" xsi:nil="true"/>
+    <lcf76f155ced4ddcb4097134ff3c332f xmlns="e072e622-bd42-4407-92d8-63b31e50c8b8">
+      <Terms xmlns="http://schemas.microsoft.com/office/infopath/2007/PartnerControls"/>
+    </lcf76f155ced4ddcb4097134ff3c332f>
+    <SharedWithUsers xmlns="2f657e29-5579-4d67-9714-33a99ca17674">
+      <UserInfo>
+        <DisplayName>Francavilla, Eric R</DisplayName>
+        <AccountId>61</AccountId>
+        <AccountType/>
+      </UserInfo>
+      <UserInfo>
+        <DisplayName>Starr, Andrea S</DisplayName>
+        <AccountId>62</AccountId>
+        <AccountType/>
+      </UserInfo>
+      <UserInfo>
+        <DisplayName>Steyn, Rita A</DisplayName>
+        <AccountId>63</AccountId>
+        <AccountType/>
+      </UserInfo>
+    </SharedWithUsers>
+  </documentManagement>
+</p:properties>
 </file>
 
-<file path=customXml/itemProps3.xml><?xml version="1.0" encoding="utf-8"?>
+<file path=customXml/itemProps1.xml><?xml version="1.0" encoding="utf-8"?>
 <ds:datastoreItem xmlns:ds="http://schemas.openxmlformats.org/officeDocument/2006/customXml" ds:itemID="{B9EAABF4-B9ED-4228-B059-64D199AD5CAD}">
   <ds:schemaRefs>
     <ds:schemaRef ds:uri="2f657e29-5579-4d67-9714-33a99ca17674"/>
@@ -11902,4 +12241,30 @@
     <ds:schemaRef ds:uri="http://www.w3.org/2001/XMLSchema"/>
   </ds:schemaRefs>
 </ds:datastoreItem>
+</file>
+
+<file path=customXml/itemProps2.xml><?xml version="1.0" encoding="utf-8"?>
+<ds:datastoreItem xmlns:ds="http://schemas.openxmlformats.org/officeDocument/2006/customXml" ds:itemID="{9536DFC8-E7A6-4466-9623-995D1E943321}">
+  <ds:schemaRefs>
+    <ds:schemaRef ds:uri="http://schemas.microsoft.com/sharepoint/v3/contenttype/forms"/>
+  </ds:schemaRefs>
+</ds:datastoreItem>
+</file>
+
+<file path=customXml/itemProps3.xml><?xml version="1.0" encoding="utf-8"?>
+<ds:datastoreItem xmlns:ds="http://schemas.openxmlformats.org/officeDocument/2006/customXml" ds:itemID="{3DF3F6F2-B28F-46AF-9C63-963F9CE6979D}">
+  <ds:schemaRefs>
+    <ds:schemaRef ds:uri="http://purl.org/dc/terms/"/>
+    <ds:schemaRef ds:uri="5cece13e-3376-4417-9525-be60b11a89a8"/>
+    <ds:schemaRef ds:uri="2f657e29-5579-4d67-9714-33a99ca17674"/>
+    <ds:schemaRef ds:uri="e072e622-bd42-4407-92d8-63b31e50c8b8"/>
+    <ds:schemaRef ds:uri="http://schemas.microsoft.com/office/2006/documentManagement/types"/>
+    <ds:schemaRef ds:uri="http://www.w3.org/XML/1998/namespace"/>
+    <ds:schemaRef ds:uri="http://schemas.microsoft.com/office/infopath/2007/PartnerControls"/>
+    <ds:schemaRef ds:uri="http://purl.org/dc/elements/1.1/"/>
+    <ds:schemaRef ds:uri="http://schemas.openxmlformats.org/package/2006/metadata/core-properties"/>
+    <ds:schemaRef ds:uri="http://schemas.microsoft.com/office/2006/metadata/properties"/>
+    <ds:schemaRef ds:uri="http://purl.org/dc/dcmitype/"/>
+  </ds:schemaRefs>
+</ds:datastoreItem>
 </file>